--- a/_ss/CIAM_CMDM_문의사항_정리_20231130.pptx
+++ b/_ss/CIAM_CMDM_문의사항_정리_20231130.pptx
@@ -231,7 +231,7 @@
           <a:p>
             <a:fld id="{2BEFC313-1CEC-40D3-A9DA-B0CF88B29DA3}" type="datetimeFigureOut">
               <a:rPr lang="ko-KR" altLang="en-US" smtClean="0"/>
-              <a:t>2023-11-30</a:t>
+              <a:t>2023-12-04</a:t>
             </a:fld>
             <a:endParaRPr lang="ko-KR" altLang="en-US"/>
           </a:p>
@@ -730,7 +730,7 @@
             <a:fld id="{9AC5F068-BF11-49BE-9914-1D4E5FA33D10}" type="datetimeFigureOut">
               <a:rPr lang="ko-KR" altLang="en-US" smtClean="0"/>
               <a:pPr/>
-              <a:t>2023-11-30</a:t>
+              <a:t>2023-12-04</a:t>
             </a:fld>
             <a:endParaRPr lang="ko-KR" altLang="en-US"/>
           </a:p>
@@ -963,7 +963,7 @@
           <a:p>
             <a:fld id="{9AC5F068-BF11-49BE-9914-1D4E5FA33D10}" type="datetimeFigureOut">
               <a:rPr lang="ko-KR" altLang="en-US" smtClean="0"/>
-              <a:t>2023-11-30</a:t>
+              <a:t>2023-12-04</a:t>
             </a:fld>
             <a:endParaRPr lang="ko-KR" altLang="en-US"/>
           </a:p>
@@ -1171,7 +1171,7 @@
           <a:p>
             <a:fld id="{9AC5F068-BF11-49BE-9914-1D4E5FA33D10}" type="datetimeFigureOut">
               <a:rPr lang="ko-KR" altLang="en-US" smtClean="0"/>
-              <a:t>2023-11-30</a:t>
+              <a:t>2023-12-04</a:t>
             </a:fld>
             <a:endParaRPr lang="ko-KR" altLang="en-US"/>
           </a:p>
@@ -1723,7 +1723,7 @@
           <a:p>
             <a:fld id="{9AC5F068-BF11-49BE-9914-1D4E5FA33D10}" type="datetimeFigureOut">
               <a:rPr lang="ko-KR" altLang="en-US" smtClean="0"/>
-              <a:t>2023-11-30</a:t>
+              <a:t>2023-12-04</a:t>
             </a:fld>
             <a:endParaRPr lang="ko-KR" altLang="en-US"/>
           </a:p>
@@ -1998,7 +1998,7 @@
           <a:p>
             <a:fld id="{9AC5F068-BF11-49BE-9914-1D4E5FA33D10}" type="datetimeFigureOut">
               <a:rPr lang="ko-KR" altLang="en-US" smtClean="0"/>
-              <a:t>2023-11-30</a:t>
+              <a:t>2023-12-04</a:t>
             </a:fld>
             <a:endParaRPr lang="ko-KR" altLang="en-US"/>
           </a:p>
@@ -2263,7 +2263,7 @@
           <a:p>
             <a:fld id="{9AC5F068-BF11-49BE-9914-1D4E5FA33D10}" type="datetimeFigureOut">
               <a:rPr lang="ko-KR" altLang="en-US" smtClean="0"/>
-              <a:t>2023-11-30</a:t>
+              <a:t>2023-12-04</a:t>
             </a:fld>
             <a:endParaRPr lang="ko-KR" altLang="en-US"/>
           </a:p>
@@ -2675,7 +2675,7 @@
           <a:p>
             <a:fld id="{9AC5F068-BF11-49BE-9914-1D4E5FA33D10}" type="datetimeFigureOut">
               <a:rPr lang="ko-KR" altLang="en-US" smtClean="0"/>
-              <a:t>2023-11-30</a:t>
+              <a:t>2023-12-04</a:t>
             </a:fld>
             <a:endParaRPr lang="ko-KR" altLang="en-US"/>
           </a:p>
@@ -2816,7 +2816,7 @@
           <a:p>
             <a:fld id="{9AC5F068-BF11-49BE-9914-1D4E5FA33D10}" type="datetimeFigureOut">
               <a:rPr lang="ko-KR" altLang="en-US" smtClean="0"/>
-              <a:t>2023-11-30</a:t>
+              <a:t>2023-12-04</a:t>
             </a:fld>
             <a:endParaRPr lang="ko-KR" altLang="en-US"/>
           </a:p>
@@ -2929,7 +2929,7 @@
           <a:p>
             <a:fld id="{9AC5F068-BF11-49BE-9914-1D4E5FA33D10}" type="datetimeFigureOut">
               <a:rPr lang="ko-KR" altLang="en-US" smtClean="0"/>
-              <a:t>2023-11-30</a:t>
+              <a:t>2023-12-04</a:t>
             </a:fld>
             <a:endParaRPr lang="ko-KR" altLang="en-US"/>
           </a:p>
@@ -3256,7 +3256,7 @@
           <a:p>
             <a:fld id="{9AC5F068-BF11-49BE-9914-1D4E5FA33D10}" type="datetimeFigureOut">
               <a:rPr lang="ko-KR" altLang="en-US" smtClean="0"/>
-              <a:t>2023-11-30</a:t>
+              <a:t>2023-12-04</a:t>
             </a:fld>
             <a:endParaRPr lang="ko-KR" altLang="en-US"/>
           </a:p>
@@ -3544,7 +3544,7 @@
           <a:p>
             <a:fld id="{9AC5F068-BF11-49BE-9914-1D4E5FA33D10}" type="datetimeFigureOut">
               <a:rPr lang="ko-KR" altLang="en-US" smtClean="0"/>
-              <a:t>2023-11-30</a:t>
+              <a:t>2023-12-04</a:t>
             </a:fld>
             <a:endParaRPr lang="ko-KR" altLang="en-US"/>
           </a:p>
@@ -3785,7 +3785,7 @@
           <a:p>
             <a:fld id="{9AC5F068-BF11-49BE-9914-1D4E5FA33D10}" type="datetimeFigureOut">
               <a:rPr lang="ko-KR" altLang="en-US" smtClean="0"/>
-              <a:t>2023-11-30</a:t>
+              <a:t>2023-12-04</a:t>
             </a:fld>
             <a:endParaRPr lang="ko-KR" altLang="en-US"/>
           </a:p>
@@ -6727,10 +6727,10 @@
       </p:grpSpPr>
       <p:pic>
         <p:nvPicPr>
-          <p:cNvPr id="8" name="그림 7">
-            <a:extLst>
-              <a:ext uri="{FF2B5EF4-FFF2-40B4-BE49-F238E27FC236}">
-                <a16:creationId xmlns:a16="http://schemas.microsoft.com/office/drawing/2014/main" id="{C1AE4476-8D6A-5777-16EF-90456102D139}"/>
+          <p:cNvPr id="7" name="그림 6">
+            <a:extLst>
+              <a:ext uri="{FF2B5EF4-FFF2-40B4-BE49-F238E27FC236}">
+                <a16:creationId xmlns:a16="http://schemas.microsoft.com/office/drawing/2014/main" id="{D8902475-10FD-79F7-CB42-E048186ABA47}"/>
               </a:ext>
             </a:extLst>
           </p:cNvPr>
@@ -6747,8 +6747,8 @@
         </p:blipFill>
         <p:spPr>
           <a:xfrm>
-            <a:off x="721358" y="2281621"/>
-            <a:ext cx="8058595" cy="1847086"/>
+            <a:off x="771493" y="1829109"/>
+            <a:ext cx="9408828" cy="2654154"/>
           </a:xfrm>
           <a:prstGeom prst="rect">
             <a:avLst/>
@@ -6860,13 +6860,22 @@
               <a:defRPr/>
             </a:pPr>
             <a:r>
+              <a:rPr lang="ko-KR" altLang="en-US" sz="1400" b="1" dirty="0">
+                <a:solidFill>
+                  <a:prstClr val="black"/>
+                </a:solidFill>
+                <a:latin typeface="SamsungOne 400"/>
+              </a:rPr>
+              <a:t>개인</a:t>
+            </a:r>
+            <a:r>
               <a:rPr lang="en-US" altLang="ko-KR" sz="1400" b="1" dirty="0">
                 <a:solidFill>
                   <a:prstClr val="black"/>
                 </a:solidFill>
                 <a:latin typeface="SamsungOne 400"/>
               </a:rPr>
-              <a:t>User </a:t>
+              <a:t> </a:t>
             </a:r>
             <a:r>
               <a:rPr lang="ko-KR" altLang="en-US" sz="1400" b="1" dirty="0">
@@ -7022,7 +7031,27 @@
                 <a:latin typeface="SamsungOne 400"/>
                 <a:cs typeface="+mn-cs"/>
               </a:rPr>
-              <a:t>. User </a:t>
+              <a:t>. </a:t>
+            </a:r>
+            <a:r>
+              <a:rPr lang="ko-KR" altLang="en-US" sz="1600" b="1" dirty="0">
+                <a:solidFill>
+                  <a:prstClr val="black"/>
+                </a:solidFill>
+                <a:latin typeface="SamsungOne 400"/>
+                <a:cs typeface="+mn-cs"/>
+              </a:rPr>
+              <a:t>개인</a:t>
+            </a:r>
+            <a:r>
+              <a:rPr lang="en-US" altLang="ko-KR" sz="1600" b="1" dirty="0">
+                <a:solidFill>
+                  <a:prstClr val="black"/>
+                </a:solidFill>
+                <a:latin typeface="SamsungOne 400"/>
+                <a:cs typeface="+mn-cs"/>
+              </a:rPr>
+              <a:t> </a:t>
             </a:r>
             <a:r>
               <a:rPr lang="ko-KR" altLang="en-US" sz="1600" b="1" dirty="0">
@@ -7114,8 +7143,8 @@
         </p:nvSpPr>
         <p:spPr bwMode="auto">
           <a:xfrm>
-            <a:off x="3669299" y="2349968"/>
-            <a:ext cx="2105168" cy="698031"/>
+            <a:off x="7371508" y="2358676"/>
+            <a:ext cx="2739144" cy="526181"/>
           </a:xfrm>
           <a:prstGeom prst="rect">
             <a:avLst/>
@@ -7174,7 +7203,7 @@
         </p:nvSpPr>
         <p:spPr bwMode="auto">
           <a:xfrm>
-            <a:off x="8676640" y="3365413"/>
+            <a:off x="8371836" y="4601175"/>
             <a:ext cx="3005486" cy="1770291"/>
           </a:xfrm>
           <a:prstGeom prst="rect">
@@ -7251,60 +7280,10 @@
                 <a:ea typeface="+mn-ea"/>
                 <a:cs typeface="Arial" panose="020B0604020202020204" pitchFamily="34" charset="0"/>
               </a:rPr>
-              <a:t>) CIAM</a:t>
+              <a:t>) </a:t>
             </a:r>
             <a:r>
               <a:rPr lang="ko-KR" altLang="en-US" sz="1600" b="1" kern="0" dirty="0">
-                <a:solidFill>
-                  <a:srgbClr val="000000"/>
-                </a:solidFill>
-                <a:latin typeface="+mn-ea"/>
-                <a:cs typeface="Arial" panose="020B0604020202020204" pitchFamily="34" charset="0"/>
-              </a:rPr>
-              <a:t> 신규 등록 및 전환 사용자 정보 </a:t>
-            </a:r>
-            <a:r>
-              <a:rPr lang="en-US" altLang="ko-KR" sz="1600" b="1" kern="0" dirty="0">
-                <a:solidFill>
-                  <a:srgbClr val="000000"/>
-                </a:solidFill>
-                <a:latin typeface="+mn-ea"/>
-                <a:cs typeface="Arial" panose="020B0604020202020204" pitchFamily="34" charset="0"/>
-              </a:rPr>
-              <a:t>Rest API </a:t>
-            </a:r>
-            <a:r>
-              <a:rPr lang="ko-KR" altLang="en-US" sz="1600" b="1" kern="0" dirty="0">
-                <a:solidFill>
-                  <a:srgbClr val="000000"/>
-                </a:solidFill>
-                <a:latin typeface="+mn-ea"/>
-                <a:cs typeface="Arial" panose="020B0604020202020204" pitchFamily="34" charset="0"/>
-              </a:rPr>
-              <a:t>사용 여부 및 </a:t>
-            </a:r>
-            <a:r>
-              <a:rPr lang="en-US" altLang="ko-KR" sz="1600" b="1" kern="0" dirty="0">
-                <a:solidFill>
-                  <a:srgbClr val="000000"/>
-                </a:solidFill>
-                <a:latin typeface="+mn-ea"/>
-                <a:cs typeface="Arial" panose="020B0604020202020204" pitchFamily="34" charset="0"/>
-              </a:rPr>
-              <a:t>CIAM</a:t>
-            </a:r>
-            <a:r>
-              <a:rPr lang="ko-KR" altLang="en-US" sz="1600" b="1" kern="0" dirty="0">
-                <a:solidFill>
-                  <a:srgbClr val="000000"/>
-                </a:solidFill>
-                <a:latin typeface="+mn-ea"/>
-                <a:cs typeface="Arial" panose="020B0604020202020204" pitchFamily="34" charset="0"/>
-              </a:rPr>
-              <a:t>에서 관리하는 개인정보 활용을 위한 별도 권한 관리 여부 문의</a:t>
-            </a:r>
-            <a:r>
-              <a:rPr lang="en-US" altLang="ko-KR" sz="1600" b="1" kern="0" dirty="0">
                 <a:solidFill>
                   <a:srgbClr val="000000"/>
                 </a:solidFill>
@@ -7312,19 +7291,89 @@
                 <a:ea typeface="+mn-ea"/>
                 <a:cs typeface="Arial" panose="020B0604020202020204" pitchFamily="34" charset="0"/>
               </a:rPr>
+              <a:t>개인정보 조회 </a:t>
+            </a:r>
+            <a:r>
+              <a:rPr lang="en-US" altLang="ko-KR" sz="1600" b="1" kern="0" dirty="0">
+                <a:solidFill>
+                  <a:srgbClr val="000000"/>
+                </a:solidFill>
+                <a:latin typeface="+mn-ea"/>
+                <a:cs typeface="Arial" panose="020B0604020202020204" pitchFamily="34" charset="0"/>
+              </a:rPr>
+              <a:t>API </a:t>
+            </a:r>
+            <a:r>
+              <a:rPr lang="ko-KR" altLang="en-US" sz="1600" b="1" kern="0" dirty="0">
+                <a:solidFill>
+                  <a:srgbClr val="000000"/>
+                </a:solidFill>
+                <a:latin typeface="+mn-ea"/>
+                <a:cs typeface="Arial" panose="020B0604020202020204" pitchFamily="34" charset="0"/>
+              </a:rPr>
+              <a:t>사용 여부 및 </a:t>
+            </a:r>
+            <a:r>
+              <a:rPr lang="en-US" altLang="ko-KR" sz="1600" b="1" kern="0" dirty="0">
+                <a:solidFill>
+                  <a:srgbClr val="000000"/>
+                </a:solidFill>
+                <a:latin typeface="+mn-ea"/>
+                <a:cs typeface="Arial" panose="020B0604020202020204" pitchFamily="34" charset="0"/>
+              </a:rPr>
+              <a:t>CIAM</a:t>
+            </a:r>
+            <a:r>
+              <a:rPr lang="ko-KR" altLang="en-US" sz="1600" b="1" kern="0" dirty="0">
+                <a:solidFill>
+                  <a:srgbClr val="000000"/>
+                </a:solidFill>
+                <a:latin typeface="+mn-ea"/>
+                <a:cs typeface="Arial" panose="020B0604020202020204" pitchFamily="34" charset="0"/>
+              </a:rPr>
+              <a:t>에서 관리하는 개인정보 활용을 위한 </a:t>
+            </a:r>
+            <a:r>
+              <a:rPr lang="en-US" altLang="ko-KR" sz="1600" b="1" kern="0" dirty="0" err="1">
+                <a:solidFill>
+                  <a:srgbClr val="000000"/>
+                </a:solidFill>
+                <a:latin typeface="+mn-ea"/>
+                <a:cs typeface="Arial" panose="020B0604020202020204" pitchFamily="34" charset="0"/>
+              </a:rPr>
+              <a:t>eBiz</a:t>
+            </a:r>
+            <a:r>
+              <a:rPr lang="en-US" altLang="ko-KR" sz="1600" b="1" kern="0" dirty="0">
+                <a:solidFill>
+                  <a:srgbClr val="000000"/>
+                </a:solidFill>
+                <a:latin typeface="+mn-ea"/>
+                <a:cs typeface="Arial" panose="020B0604020202020204" pitchFamily="34" charset="0"/>
+              </a:rPr>
+              <a:t> </a:t>
+            </a:r>
+            <a:r>
+              <a:rPr lang="ko-KR" altLang="en-US" sz="1600" b="1" kern="0" dirty="0">
+                <a:solidFill>
+                  <a:srgbClr val="000000"/>
+                </a:solidFill>
+                <a:latin typeface="+mn-ea"/>
+                <a:cs typeface="Arial" panose="020B0604020202020204" pitchFamily="34" charset="0"/>
+              </a:rPr>
+              <a:t>자체 별도 권한 관리 여부 문의</a:t>
+            </a:r>
+            <a:r>
+              <a:rPr lang="en-US" altLang="ko-KR" sz="1600" b="1" kern="0" dirty="0">
+                <a:solidFill>
+                  <a:srgbClr val="000000"/>
+                </a:solidFill>
+                <a:latin typeface="+mn-ea"/>
+                <a:ea typeface="+mn-ea"/>
+                <a:cs typeface="Arial" panose="020B0604020202020204" pitchFamily="34" charset="0"/>
+              </a:rPr>
               <a:t>.</a:t>
             </a:r>
-          </a:p>
-          <a:p>
-            <a:pPr fontAlgn="base" latinLnBrk="0">
-              <a:buClr>
-                <a:srgbClr val="000000"/>
-              </a:buClr>
-              <a:tabLst>
-                <a:tab pos="914400" algn="l"/>
-                <a:tab pos="7315200" algn="r"/>
-              </a:tabLst>
-            </a:pPr>
             <a:endParaRPr lang="en-US" altLang="ko-KR" sz="1600" b="1" dirty="0">
               <a:solidFill>
                 <a:schemeClr val="tx1"/>
@@ -7367,7 +7416,7 @@
         </p:nvSpPr>
         <p:spPr bwMode="gray">
           <a:xfrm>
-            <a:off x="8676640" y="2970477"/>
+            <a:off x="8371836" y="4206239"/>
             <a:ext cx="3005486" cy="469375"/>
           </a:xfrm>
           <a:prstGeom prst="rect">
@@ -10908,6 +10957,15 @@
 </file>
 
 <file path=customXml/item1.xml><?xml version="1.0" encoding="utf-8"?>
+<?mso-contentType ?>
+<FormTemplates xmlns="http://schemas.microsoft.com/sharepoint/v3/contenttype/forms">
+  <Display>DocumentLibraryForm</Display>
+  <Edit>DocumentLibraryForm</Edit>
+  <New>DocumentLibraryForm</New>
+</FormTemplates>
+</file>
+
+<file path=customXml/item2.xml><?xml version="1.0" encoding="utf-8"?>
 <ct:contentTypeSchema xmlns:ct="http://schemas.microsoft.com/office/2006/metadata/contentType" xmlns:ma="http://schemas.microsoft.com/office/2006/metadata/properties/metaAttributes" ct:_="" ma:_="" ma:contentTypeName="문서" ma:contentTypeID="0x0101002402E175F7F69848AE3A1AF86780A04B" ma:contentTypeVersion="12" ma:contentTypeDescription="새 문서를 만듭니다." ma:contentTypeScope="" ma:versionID="ae4d321673509f360469d0397fd80996">
   <xsd:schema xmlns:xsd="http://www.w3.org/2001/XMLSchema" xmlns:xs="http://www.w3.org/2001/XMLSchema" xmlns:p="http://schemas.microsoft.com/office/2006/metadata/properties" xmlns:ns2="a1eda698-621f-447f-90c5-3c6f376b0776" xmlns:ns3="8ad0b5f9-27a6-492d-8a39-5930d0b71bfc" targetNamespace="http://schemas.microsoft.com/office/2006/metadata/properties" ma:root="true" ma:fieldsID="cfbcb9bac77ba696eee8fc2264e19ba5" ns2:_="" ns3:_="">
     <xsd:import namespace="a1eda698-621f-447f-90c5-3c6f376b0776"/>
@@ -11115,15 +11173,6 @@
 </ct:contentTypeSchema>
 </file>
 
-<file path=customXml/item2.xml><?xml version="1.0" encoding="utf-8"?>
-<?mso-contentType ?>
-<FormTemplates xmlns="http://schemas.microsoft.com/sharepoint/v3/contenttype/forms">
-  <Display>DocumentLibraryForm</Display>
-  <Edit>DocumentLibraryForm</Edit>
-  <New>DocumentLibraryForm</New>
-</FormTemplates>
-</file>
-
 <file path=customXml/item3.xml><?xml version="1.0" encoding="utf-8"?>
 <p:properties xmlns:p="http://schemas.microsoft.com/office/2006/metadata/properties" xmlns:xsi="http://www.w3.org/2001/XMLSchema-instance" xmlns:pc="http://schemas.microsoft.com/office/infopath/2007/PartnerControls">
   <documentManagement>
@@ -11140,6 +11189,14 @@
 </file>
 
 <file path=customXml/itemProps1.xml><?xml version="1.0" encoding="utf-8"?>
+<ds:datastoreItem xmlns:ds="http://schemas.openxmlformats.org/officeDocument/2006/customXml" ds:itemID="{1F0B30C6-8F0B-476E-B926-EB906AB7E9D9}">
+  <ds:schemaRefs>
+    <ds:schemaRef ds:uri="http://schemas.microsoft.com/sharepoint/v3/contenttype/forms"/>
+  </ds:schemaRefs>
+</ds:datastoreItem>
+</file>
+
+<file path=customXml/itemProps2.xml><?xml version="1.0" encoding="utf-8"?>
 <ds:datastoreItem xmlns:ds="http://schemas.openxmlformats.org/officeDocument/2006/customXml" ds:itemID="{E4EC5745-EECD-46DF-97DA-3F76E26C299A}">
   <ds:schemaRefs>
     <ds:schemaRef ds:uri="8ad0b5f9-27a6-492d-8a39-5930d0b71bfc"/>
@@ -11154,14 +11211,6 @@
     <ds:schemaRef ds:uri="http://schemas.microsoft.com/office/infopath/2007/PartnerControls"/>
     <ds:schemaRef ds:uri="http://schemas.openxmlformats.org/package/2006/metadata/core-properties"/>
     <ds:schemaRef ds:uri="http://www.w3.org/2001/XMLSchema"/>
-  </ds:schemaRefs>
-</ds:datastoreItem>
-</file>
-
-<file path=customXml/itemProps2.xml><?xml version="1.0" encoding="utf-8"?>
-<ds:datastoreItem xmlns:ds="http://schemas.openxmlformats.org/officeDocument/2006/customXml" ds:itemID="{1F0B30C6-8F0B-476E-B926-EB906AB7E9D9}">
-  <ds:schemaRefs>
-    <ds:schemaRef ds:uri="http://schemas.microsoft.com/sharepoint/v3/contenttype/forms"/>
   </ds:schemaRefs>
 </ds:datastoreItem>
 </file>
